--- a/Common structure to describe test cases.pptx
+++ b/Common structure to describe test cases.pptx
@@ -3238,8 +3238,49 @@
             </a:pPr>
             <a:r>
               <a:rPr lang="en-US" dirty="0" smtClean="0"/>
-              <a:t>Define test case</a:t>
-            </a:r>
+              <a:t>Define test </a:t>
+            </a:r>
+            <a:r>
+              <a:rPr lang="en-US" dirty="0" smtClean="0"/>
+              <a:t>case</a:t>
+            </a:r>
+          </a:p>
+          <a:p>
+            <a:pPr>
+              <a:defRPr/>
+            </a:pPr>
+            <a:r>
+              <a:rPr lang="en-US" dirty="0"/>
+              <a:t>Define desired behavior from adaptation algorithm</a:t>
+            </a:r>
+          </a:p>
+          <a:p>
+            <a:pPr lvl="1">
+              <a:defRPr/>
+            </a:pPr>
+            <a:r>
+              <a:rPr lang="en-US" dirty="0"/>
+              <a:t>Utilization</a:t>
+            </a:r>
+          </a:p>
+          <a:p>
+            <a:pPr lvl="1">
+              <a:defRPr/>
+            </a:pPr>
+            <a:r>
+              <a:rPr lang="en-US" dirty="0"/>
+              <a:t>Convergence time</a:t>
+            </a:r>
+          </a:p>
+          <a:p>
+            <a:pPr lvl="1">
+              <a:defRPr/>
+            </a:pPr>
+            <a:r>
+              <a:rPr lang="en-US" dirty="0" smtClean="0"/>
+              <a:t>Fairness</a:t>
+            </a:r>
+            <a:endParaRPr lang="en-US" dirty="0" smtClean="0"/>
           </a:p>
           <a:p>
             <a:pPr eaLnBrk="1" hangingPunct="1">
@@ -3399,47 +3440,11 @@
             </a:pPr>
             <a:r>
               <a:rPr lang="en-US" dirty="0" smtClean="0"/>
-              <a:t>Define desired behavior from adaptation algorithm</a:t>
-            </a:r>
-          </a:p>
-          <a:p>
-            <a:pPr lvl="1" eaLnBrk="1" hangingPunct="1">
-              <a:defRPr/>
-            </a:pPr>
+              <a:t>Define </a:t>
+            </a:r>
             <a:r>
               <a:rPr lang="en-US" dirty="0" smtClean="0"/>
-              <a:t>Utilization</a:t>
-            </a:r>
-          </a:p>
-          <a:p>
-            <a:pPr lvl="1" eaLnBrk="1" hangingPunct="1">
-              <a:defRPr/>
-            </a:pPr>
-            <a:r>
-              <a:rPr lang="en-US" dirty="0" smtClean="0"/>
-              <a:t>Convergence time</a:t>
-            </a:r>
-          </a:p>
-          <a:p>
-            <a:pPr lvl="1" eaLnBrk="1" hangingPunct="1">
-              <a:defRPr/>
-            </a:pPr>
-            <a:r>
-              <a:rPr lang="en-US" dirty="0"/>
-              <a:t>F</a:t>
-            </a:r>
-            <a:r>
-              <a:rPr lang="en-US" dirty="0" smtClean="0"/>
-              <a:t>airness</a:t>
-            </a:r>
-          </a:p>
-          <a:p>
-            <a:pPr eaLnBrk="1" hangingPunct="1">
-              <a:defRPr/>
-            </a:pPr>
-            <a:r>
-              <a:rPr lang="en-US" dirty="0" smtClean="0"/>
-              <a:t>Define matrices to evaluation desired behavior </a:t>
+              <a:t>matrices to evaluation desired behavior </a:t>
             </a:r>
             <a:endParaRPr lang="en-US" dirty="0"/>
           </a:p>
